--- a/pyWorks/자료/django_ppt/shop_ppt/1장. shop 상품.pptx
+++ b/pyWorks/자료/django_ppt/shop_ppt/1장. shop 상품.pptx
@@ -5,7 +5,7 @@
     <p:sldMasterId id="2147483648" r:id="rId1"/>
   </p:sldMasterIdLst>
   <p:notesMasterIdLst>
-    <p:notesMasterId r:id="rId25"/>
+    <p:notesMasterId r:id="rId26"/>
   </p:notesMasterIdLst>
   <p:sldIdLst>
     <p:sldId id="256" r:id="rId2"/>
@@ -22,15 +22,16 @@
     <p:sldId id="427" r:id="rId13"/>
     <p:sldId id="428" r:id="rId14"/>
     <p:sldId id="429" r:id="rId15"/>
-    <p:sldId id="430" r:id="rId16"/>
-    <p:sldId id="431" r:id="rId17"/>
-    <p:sldId id="432" r:id="rId18"/>
-    <p:sldId id="433" r:id="rId19"/>
-    <p:sldId id="438" r:id="rId20"/>
-    <p:sldId id="434" r:id="rId21"/>
-    <p:sldId id="435" r:id="rId22"/>
-    <p:sldId id="436" r:id="rId23"/>
-    <p:sldId id="437" r:id="rId24"/>
+    <p:sldId id="439" r:id="rId16"/>
+    <p:sldId id="430" r:id="rId17"/>
+    <p:sldId id="431" r:id="rId18"/>
+    <p:sldId id="432" r:id="rId19"/>
+    <p:sldId id="433" r:id="rId20"/>
+    <p:sldId id="438" r:id="rId21"/>
+    <p:sldId id="434" r:id="rId22"/>
+    <p:sldId id="435" r:id="rId23"/>
+    <p:sldId id="436" r:id="rId24"/>
+    <p:sldId id="437" r:id="rId25"/>
   </p:sldIdLst>
   <p:sldSz cx="9906000" cy="6858000" type="A4"/>
   <p:notesSz cx="6858000" cy="9144000"/>
@@ -230,7 +231,7 @@
           <a:p>
             <a:fld id="{7665CDAC-D627-4E87-877A-1B781DD4CADC}" type="datetimeFigureOut">
               <a:rPr lang="ko-KR" altLang="en-US" smtClean="0"/>
-              <a:t>2023-06-27</a:t>
+              <a:t>2023-06-28</a:t>
             </a:fld>
             <a:endParaRPr lang="ko-KR" altLang="en-US"/>
           </a:p>
@@ -642,7 +643,7 @@
           <a:p>
             <a:fld id="{C25BCFD5-C4DF-4EBC-B718-C69ED2FBDE6F}" type="datetime1">
               <a:rPr lang="ko-KR" altLang="en-US" smtClean="0"/>
-              <a:t>2023-06-27</a:t>
+              <a:t>2023-06-28</a:t>
             </a:fld>
             <a:endParaRPr lang="ko-KR" altLang="en-US"/>
           </a:p>
@@ -1097,7 +1098,7 @@
           <a:p>
             <a:fld id="{AB448CD7-D367-43D5-B461-ACE552E75063}" type="datetime1">
               <a:rPr lang="ko-KR" altLang="en-US" smtClean="0"/>
-              <a:t>2023-06-27</a:t>
+              <a:t>2023-06-28</a:t>
             </a:fld>
             <a:endParaRPr lang="ko-KR" altLang="en-US"/>
           </a:p>
@@ -1275,7 +1276,7 @@
           <a:p>
             <a:fld id="{B6E49E79-7361-4780-8BEF-7EDE3708298A}" type="datetime1">
               <a:rPr lang="ko-KR" altLang="en-US" smtClean="0"/>
-              <a:t>2023-06-27</a:t>
+              <a:t>2023-06-28</a:t>
             </a:fld>
             <a:endParaRPr lang="ko-KR" altLang="en-US"/>
           </a:p>
@@ -1447,7 +1448,7 @@
           <a:p>
             <a:fld id="{A4D42E3C-B70B-437C-85CF-1286301B9CBA}" type="datetime1">
               <a:rPr lang="ko-KR" altLang="en-US" smtClean="0"/>
-              <a:t>2023-06-27</a:t>
+              <a:t>2023-06-28</a:t>
             </a:fld>
             <a:endParaRPr lang="ko-KR" altLang="en-US"/>
           </a:p>
@@ -1699,7 +1700,7 @@
           <a:p>
             <a:fld id="{B3369A20-5B3D-4D98-A822-26B93D177A40}" type="datetime1">
               <a:rPr lang="ko-KR" altLang="en-US" smtClean="0"/>
-              <a:t>2023-06-27</a:t>
+              <a:t>2023-06-28</a:t>
             </a:fld>
             <a:endParaRPr lang="ko-KR" altLang="en-US"/>
           </a:p>
@@ -1984,7 +1985,7 @@
           <a:p>
             <a:fld id="{685CD4CE-9E43-4F70-A9D8-A2130CA7D92A}" type="datetime1">
               <a:rPr lang="ko-KR" altLang="en-US" smtClean="0"/>
-              <a:t>2023-06-27</a:t>
+              <a:t>2023-06-28</a:t>
             </a:fld>
             <a:endParaRPr lang="ko-KR" altLang="en-US"/>
           </a:p>
@@ -2410,7 +2411,7 @@
           <a:p>
             <a:fld id="{F752BD92-DA3E-4A0B-90C9-7DE5E15B6E96}" type="datetime1">
               <a:rPr lang="ko-KR" altLang="en-US" smtClean="0"/>
-              <a:t>2023-06-27</a:t>
+              <a:t>2023-06-28</a:t>
             </a:fld>
             <a:endParaRPr lang="ko-KR" altLang="en-US"/>
           </a:p>
@@ -2534,7 +2535,7 @@
           <a:p>
             <a:fld id="{8EA2B83A-F366-424E-B742-340ACF856BB5}" type="datetime1">
               <a:rPr lang="ko-KR" altLang="en-US" smtClean="0"/>
-              <a:t>2023-06-27</a:t>
+              <a:t>2023-06-28</a:t>
             </a:fld>
             <a:endParaRPr lang="ko-KR" altLang="en-US"/>
           </a:p>
@@ -2629,7 +2630,7 @@
           <a:p>
             <a:fld id="{9A49D68B-5DBD-48E9-A8D4-FCBC4B3DD9C6}" type="datetime1">
               <a:rPr lang="ko-KR" altLang="en-US" smtClean="0"/>
-              <a:t>2023-06-27</a:t>
+              <a:t>2023-06-28</a:t>
             </a:fld>
             <a:endParaRPr lang="ko-KR" altLang="en-US"/>
           </a:p>
@@ -2904,7 +2905,7 @@
           <a:p>
             <a:fld id="{4CAB534F-7D16-467B-9320-91F98915D181}" type="datetime1">
               <a:rPr lang="ko-KR" altLang="en-US" smtClean="0"/>
-              <a:t>2023-06-27</a:t>
+              <a:t>2023-06-28</a:t>
             </a:fld>
             <a:endParaRPr lang="ko-KR" altLang="en-US"/>
           </a:p>
@@ -3156,7 +3157,7 @@
           <a:p>
             <a:fld id="{A390A91F-2F8D-4486-A69D-D680F95444B0}" type="datetime1">
               <a:rPr lang="ko-KR" altLang="en-US" smtClean="0"/>
-              <a:t>2023-06-27</a:t>
+              <a:t>2023-06-28</a:t>
             </a:fld>
             <a:endParaRPr lang="ko-KR" altLang="en-US"/>
           </a:p>
@@ -3335,7 +3336,7 @@
           <a:p>
             <a:fld id="{2238BBEA-E8DD-414A-BF68-FC2AFA7CFF2D}" type="datetime1">
               <a:rPr lang="ko-KR" altLang="en-US" smtClean="0"/>
-              <a:t>2023-06-27</a:t>
+              <a:t>2023-06-28</a:t>
             </a:fld>
             <a:endParaRPr lang="ko-KR" altLang="en-US"/>
           </a:p>
@@ -5074,7 +5075,7 @@
       </p:sp>
       <p:pic>
         <p:nvPicPr>
-          <p:cNvPr id="3" name="그림 2"/>
+          <p:cNvPr id="7" name="그림 6"/>
           <p:cNvPicPr>
             <a:picLocks noChangeAspect="1"/>
           </p:cNvPicPr>
@@ -5094,8 +5095,8 @@
         </p:blipFill>
         <p:spPr>
           <a:xfrm>
-            <a:off x="628137" y="2060848"/>
-            <a:ext cx="8992379" cy="4061812"/>
+            <a:off x="1064568" y="1929212"/>
+            <a:ext cx="7864522" cy="4092295"/>
           </a:xfrm>
           <a:prstGeom prst="rect">
             <a:avLst/>
@@ -5499,6 +5500,232 @@
         <p:spPr>
           <a:xfrm>
             <a:off x="5529064" y="1375214"/>
+            <a:ext cx="2592288" cy="369332"/>
+          </a:xfrm>
+          <a:prstGeom prst="rect">
+            <a:avLst/>
+          </a:prstGeom>
+          <a:noFill/>
+        </p:spPr>
+        <p:txBody>
+          <a:bodyPr wrap="square" rtlCol="0">
+            <a:spAutoFit/>
+          </a:bodyPr>
+          <a:lstStyle/>
+          <a:p>
+            <a:r>
+              <a:rPr lang="en-US" altLang="ko-KR" dirty="0"/>
+              <a:t>t</a:t>
+            </a:r>
+            <a:r>
+              <a:rPr lang="en-US" altLang="ko-KR" dirty="0" smtClean="0"/>
+              <a:t>emplates/base.html</a:t>
+            </a:r>
+            <a:endParaRPr lang="ko-KR" altLang="en-US" dirty="0"/>
+          </a:p>
+        </p:txBody>
+      </p:sp>
+      <p:pic>
+        <p:nvPicPr>
+          <p:cNvPr id="3" name="그림 2"/>
+          <p:cNvPicPr>
+            <a:picLocks noChangeAspect="1"/>
+          </p:cNvPicPr>
+          <p:nvPr/>
+        </p:nvPicPr>
+        <p:blipFill>
+          <a:blip r:embed="rId2">
+            <a:extLst>
+              <a:ext uri="{28A0092B-C50C-407E-A947-70E740481C1C}">
+                <a14:useLocalDpi xmlns:a14="http://schemas.microsoft.com/office/drawing/2010/main" val="0"/>
+              </a:ext>
+            </a:extLst>
+          </a:blip>
+          <a:stretch>
+            <a:fillRect/>
+          </a:stretch>
+        </p:blipFill>
+        <p:spPr>
+          <a:xfrm>
+            <a:off x="1208584" y="1856603"/>
+            <a:ext cx="7452322" cy="4669958"/>
+          </a:xfrm>
+          <a:prstGeom prst="rect">
+            <a:avLst/>
+          </a:prstGeom>
+          <a:ln>
+            <a:solidFill>
+              <a:schemeClr val="bg1">
+                <a:lumMod val="85000"/>
+              </a:schemeClr>
+            </a:solidFill>
+          </a:ln>
+        </p:spPr>
+      </p:pic>
+    </p:spTree>
+    <p:extLst>
+      <p:ext uri="{BB962C8B-B14F-4D97-AF65-F5344CB8AC3E}">
+        <p14:creationId xmlns:p14="http://schemas.microsoft.com/office/powerpoint/2010/main" val="1857596609"/>
+      </p:ext>
+    </p:extLst>
+  </p:cSld>
+  <p:clrMapOvr>
+    <a:masterClrMapping/>
+  </p:clrMapOvr>
+  <p:timing>
+    <p:tnLst>
+      <p:par>
+        <p:cTn id="1" dur="indefinite" restart="never" nodeType="tmRoot"/>
+      </p:par>
+    </p:tnLst>
+  </p:timing>
+</p:sld>
+</file>
+
+<file path=ppt/slides/slide16.xml><?xml version="1.0" encoding="utf-8"?>
+<p:sld xmlns:a="http://schemas.openxmlformats.org/drawingml/2006/main" xmlns:r="http://schemas.openxmlformats.org/officeDocument/2006/relationships" xmlns:p="http://schemas.openxmlformats.org/presentationml/2006/main">
+  <p:cSld>
+    <p:spTree>
+      <p:nvGrpSpPr>
+        <p:cNvPr id="1" name=""/>
+        <p:cNvGrpSpPr/>
+        <p:nvPr/>
+      </p:nvGrpSpPr>
+      <p:grpSpPr>
+        <a:xfrm>
+          <a:off x="0" y="0"/>
+          <a:ext cx="0" cy="0"/>
+          <a:chOff x="0" y="0"/>
+          <a:chExt cx="0" cy="0"/>
+        </a:xfrm>
+      </p:grpSpPr>
+      <p:sp>
+        <p:nvSpPr>
+          <p:cNvPr id="2" name="제목 1"/>
+          <p:cNvSpPr>
+            <a:spLocks noGrp="1"/>
+          </p:cNvSpPr>
+          <p:nvPr>
+            <p:ph type="title"/>
+          </p:nvPr>
+        </p:nvSpPr>
+        <p:spPr/>
+        <p:txBody>
+          <a:bodyPr/>
+          <a:lstStyle/>
+          <a:p>
+            <a:pPr marL="342900" indent="-342900">
+              <a:lnSpc>
+                <a:spcPct val="150000"/>
+              </a:lnSpc>
+            </a:pPr>
+            <a:r>
+              <a:rPr lang="en-US" altLang="ko-KR" dirty="0"/>
+              <a:t> </a:t>
+            </a:r>
+            <a:r>
+              <a:rPr lang="en-US" altLang="ko-KR" dirty="0" smtClean="0"/>
+              <a:t>shop </a:t>
+            </a:r>
+            <a:r>
+              <a:rPr lang="ko-KR" altLang="en-US" dirty="0" smtClean="0"/>
+              <a:t>앱 만들기</a:t>
+            </a:r>
+            <a:endParaRPr lang="en-US" altLang="ko-KR" dirty="0"/>
+          </a:p>
+        </p:txBody>
+      </p:sp>
+      <p:sp>
+        <p:nvSpPr>
+          <p:cNvPr id="4" name="슬라이드 번호 개체 틀 3"/>
+          <p:cNvSpPr>
+            <a:spLocks noGrp="1"/>
+          </p:cNvSpPr>
+          <p:nvPr>
+            <p:ph type="sldNum" sz="quarter" idx="12"/>
+          </p:nvPr>
+        </p:nvSpPr>
+        <p:spPr/>
+        <p:txBody>
+          <a:bodyPr/>
+          <a:lstStyle/>
+          <a:p>
+            <a:fld id="{1BDE3FE7-3AEA-4B05-AC5A-802D1816ACF0}" type="slidenum">
+              <a:rPr lang="ko-KR" altLang="en-US" smtClean="0"/>
+              <a:t>16</a:t>
+            </a:fld>
+            <a:endParaRPr lang="ko-KR" altLang="en-US"/>
+          </a:p>
+        </p:txBody>
+      </p:sp>
+      <p:sp>
+        <p:nvSpPr>
+          <p:cNvPr id="14" name="TextBox 13"/>
+          <p:cNvSpPr txBox="1"/>
+          <p:nvPr/>
+        </p:nvSpPr>
+        <p:spPr>
+          <a:xfrm>
+            <a:off x="1064568" y="1235368"/>
+            <a:ext cx="6264696" cy="553998"/>
+          </a:xfrm>
+          <a:prstGeom prst="rect">
+            <a:avLst/>
+          </a:prstGeom>
+          <a:ln>
+            <a:noFill/>
+          </a:ln>
+        </p:spPr>
+        <p:style>
+          <a:lnRef idx="2">
+            <a:schemeClr val="dk1"/>
+          </a:lnRef>
+          <a:fillRef idx="1">
+            <a:schemeClr val="lt1"/>
+          </a:fillRef>
+          <a:effectRef idx="0">
+            <a:schemeClr val="dk1"/>
+          </a:effectRef>
+          <a:fontRef idx="minor">
+            <a:schemeClr val="dk1"/>
+          </a:fontRef>
+        </p:style>
+        <p:txBody>
+          <a:bodyPr wrap="square" rtlCol="0">
+            <a:spAutoFit/>
+          </a:bodyPr>
+          <a:lstStyle/>
+          <a:p>
+            <a:pPr marL="342900" indent="-342900">
+              <a:lnSpc>
+                <a:spcPct val="150000"/>
+              </a:lnSpc>
+              <a:buFont typeface="Wingdings" panose="05000000000000000000" pitchFamily="2" charset="2"/>
+              <a:buChar char="§"/>
+            </a:pPr>
+            <a:r>
+              <a:rPr lang="ko-KR" altLang="en-US" sz="2000" dirty="0" smtClean="0">
+                <a:latin typeface="휴먼엑스포" panose="02030504000101010101" pitchFamily="18" charset="-127"/>
+                <a:ea typeface="휴먼엑스포" panose="02030504000101010101" pitchFamily="18" charset="-127"/>
+              </a:rPr>
+              <a:t>템플릿 만들기</a:t>
+            </a:r>
+            <a:endParaRPr lang="en-US" altLang="ko-KR" sz="2000" dirty="0" smtClean="0">
+              <a:latin typeface="휴먼엑스포" panose="02030504000101010101" pitchFamily="18" charset="-127"/>
+              <a:ea typeface="휴먼엑스포" panose="02030504000101010101" pitchFamily="18" charset="-127"/>
+            </a:endParaRPr>
+          </a:p>
+        </p:txBody>
+      </p:sp>
+      <p:sp>
+        <p:nvSpPr>
+          <p:cNvPr id="6" name="TextBox 5"/>
+          <p:cNvSpPr txBox="1"/>
+          <p:nvPr/>
+        </p:nvSpPr>
+        <p:spPr>
+          <a:xfrm>
+            <a:off x="5529064" y="1375214"/>
             <a:ext cx="2952328" cy="369332"/>
           </a:xfrm>
           <a:prstGeom prst="rect">
@@ -5581,7 +5808,7 @@
 </p:sld>
 </file>
 
-<file path=ppt/slides/slide16.xml><?xml version="1.0" encoding="utf-8"?>
+<file path=ppt/slides/slide17.xml><?xml version="1.0" encoding="utf-8"?>
 <p:sld xmlns:a="http://schemas.openxmlformats.org/drawingml/2006/main" xmlns:r="http://schemas.openxmlformats.org/officeDocument/2006/relationships" xmlns:p="http://schemas.openxmlformats.org/presentationml/2006/main">
   <p:cSld>
     <p:spTree>
@@ -5651,7 +5878,7 @@
           <a:p>
             <a:fld id="{1BDE3FE7-3AEA-4B05-AC5A-802D1816ACF0}" type="slidenum">
               <a:rPr lang="ko-KR" altLang="en-US" smtClean="0"/>
-              <a:t>16</a:t>
+              <a:t>17</a:t>
             </a:fld>
             <a:endParaRPr lang="ko-KR" altLang="en-US"/>
           </a:p>
@@ -5807,7 +6034,7 @@
 </p:sld>
 </file>
 
-<file path=ppt/slides/slide17.xml><?xml version="1.0" encoding="utf-8"?>
+<file path=ppt/slides/slide18.xml><?xml version="1.0" encoding="utf-8"?>
 <p:sld xmlns:a="http://schemas.openxmlformats.org/drawingml/2006/main" xmlns:r="http://schemas.openxmlformats.org/officeDocument/2006/relationships" xmlns:p="http://schemas.openxmlformats.org/presentationml/2006/main">
   <p:cSld>
     <p:spTree>
@@ -5877,7 +6104,7 @@
           <a:p>
             <a:fld id="{1BDE3FE7-3AEA-4B05-AC5A-802D1816ACF0}" type="slidenum">
               <a:rPr lang="ko-KR" altLang="en-US" smtClean="0"/>
-              <a:t>17</a:t>
+              <a:t>18</a:t>
             </a:fld>
             <a:endParaRPr lang="ko-KR" altLang="en-US"/>
           </a:p>
@@ -6032,7 +6259,7 @@
 </p:sld>
 </file>
 
-<file path=ppt/slides/slide18.xml><?xml version="1.0" encoding="utf-8"?>
+<file path=ppt/slides/slide19.xml><?xml version="1.0" encoding="utf-8"?>
 <p:sld xmlns:a="http://schemas.openxmlformats.org/drawingml/2006/main" xmlns:r="http://schemas.openxmlformats.org/officeDocument/2006/relationships" xmlns:p="http://schemas.openxmlformats.org/presentationml/2006/main">
   <p:cSld>
     <p:spTree>
@@ -6102,7 +6329,7 @@
           <a:p>
             <a:fld id="{1BDE3FE7-3AEA-4B05-AC5A-802D1816ACF0}" type="slidenum">
               <a:rPr lang="ko-KR" altLang="en-US" smtClean="0"/>
-              <a:t>18</a:t>
+              <a:t>19</a:t>
             </a:fld>
             <a:endParaRPr lang="ko-KR" altLang="en-US"/>
           </a:p>
@@ -6130,8 +6357,8 @@
         </p:blipFill>
         <p:spPr>
           <a:xfrm>
-            <a:off x="887377" y="1771506"/>
-            <a:ext cx="8131245" cy="3314987"/>
+            <a:off x="1280592" y="1556792"/>
+            <a:ext cx="7096414" cy="4186323"/>
           </a:xfrm>
           <a:prstGeom prst="rect">
             <a:avLst/>
@@ -6165,7 +6392,7 @@
 </p:sld>
 </file>
 
-<file path=ppt/slides/slide19.xml><?xml version="1.0" encoding="utf-8"?>
+<file path=ppt/slides/slide2.xml><?xml version="1.0" encoding="utf-8"?>
 <p:sld xmlns:a="http://schemas.openxmlformats.org/drawingml/2006/main" xmlns:r="http://schemas.openxmlformats.org/officeDocument/2006/relationships" xmlns:p="http://schemas.openxmlformats.org/presentationml/2006/main">
   <p:cSld>
     <p:spTree>
@@ -6192,29 +6419,27 @@
             <p:ph type="title"/>
           </p:nvPr>
         </p:nvSpPr>
-        <p:spPr/>
-        <p:txBody>
-          <a:bodyPr/>
-          <a:lstStyle/>
-          <a:p>
-            <a:pPr marL="342900" indent="-342900">
-              <a:lnSpc>
-                <a:spcPct val="150000"/>
-              </a:lnSpc>
-            </a:pPr>
+        <p:spPr>
+          <a:xfrm>
+            <a:off x="628137" y="232452"/>
+            <a:ext cx="6201139" cy="854968"/>
+          </a:xfrm>
+        </p:spPr>
+        <p:txBody>
+          <a:bodyPr>
+            <a:normAutofit/>
+          </a:bodyPr>
+          <a:lstStyle/>
+          <a:p>
             <a:r>
               <a:rPr lang="en-US" altLang="ko-KR" dirty="0"/>
               <a:t> </a:t>
             </a:r>
             <a:r>
-              <a:rPr lang="en-US" altLang="ko-KR" dirty="0" smtClean="0"/>
-              <a:t>shop </a:t>
-            </a:r>
-            <a:r>
               <a:rPr lang="ko-KR" altLang="en-US" dirty="0" smtClean="0"/>
-              <a:t>앱 만들기</a:t>
-            </a:r>
-            <a:endParaRPr lang="en-US" altLang="ko-KR" dirty="0"/>
+              <a:t>쇼핑몰 </a:t>
+            </a:r>
+            <a:endParaRPr lang="ko-KR" altLang="en-US" dirty="0"/>
           </a:p>
         </p:txBody>
       </p:sp>
@@ -6235,97 +6460,8 @@
           <a:p>
             <a:fld id="{1BDE3FE7-3AEA-4B05-AC5A-802D1816ACF0}" type="slidenum">
               <a:rPr lang="ko-KR" altLang="en-US" smtClean="0"/>
-              <a:t>19</a:t>
+              <a:t>2</a:t>
             </a:fld>
-            <a:endParaRPr lang="ko-KR" altLang="en-US"/>
-          </a:p>
-        </p:txBody>
-      </p:sp>
-      <p:sp>
-        <p:nvSpPr>
-          <p:cNvPr id="14" name="TextBox 13"/>
-          <p:cNvSpPr txBox="1"/>
-          <p:nvPr/>
-        </p:nvSpPr>
-        <p:spPr>
-          <a:xfrm>
-            <a:off x="1064568" y="1235368"/>
-            <a:ext cx="6264696" cy="553998"/>
-          </a:xfrm>
-          <a:prstGeom prst="rect">
-            <a:avLst/>
-          </a:prstGeom>
-          <a:ln>
-            <a:noFill/>
-          </a:ln>
-        </p:spPr>
-        <p:style>
-          <a:lnRef idx="2">
-            <a:schemeClr val="dk1"/>
-          </a:lnRef>
-          <a:fillRef idx="1">
-            <a:schemeClr val="lt1"/>
-          </a:fillRef>
-          <a:effectRef idx="0">
-            <a:schemeClr val="dk1"/>
-          </a:effectRef>
-          <a:fontRef idx="minor">
-            <a:schemeClr val="dk1"/>
-          </a:fontRef>
-        </p:style>
-        <p:txBody>
-          <a:bodyPr wrap="square" rtlCol="0">
-            <a:spAutoFit/>
-          </a:bodyPr>
-          <a:lstStyle/>
-          <a:p>
-            <a:pPr marL="342900" indent="-342900">
-              <a:lnSpc>
-                <a:spcPct val="150000"/>
-              </a:lnSpc>
-              <a:buFont typeface="Wingdings" panose="05000000000000000000" pitchFamily="2" charset="2"/>
-              <a:buChar char="§"/>
-            </a:pPr>
-            <a:r>
-              <a:rPr lang="ko-KR" altLang="en-US" sz="2000" dirty="0" smtClean="0">
-                <a:latin typeface="휴먼엑스포" panose="02030504000101010101" pitchFamily="18" charset="-127"/>
-                <a:ea typeface="휴먼엑스포" panose="02030504000101010101" pitchFamily="18" charset="-127"/>
-              </a:rPr>
-              <a:t>템플릿 만들기</a:t>
-            </a:r>
-            <a:endParaRPr lang="en-US" altLang="ko-KR" sz="2000" dirty="0" smtClean="0">
-              <a:latin typeface="휴먼엑스포" panose="02030504000101010101" pitchFamily="18" charset="-127"/>
-              <a:ea typeface="휴먼엑스포" panose="02030504000101010101" pitchFamily="18" charset="-127"/>
-            </a:endParaRPr>
-          </a:p>
-        </p:txBody>
-      </p:sp>
-      <p:sp>
-        <p:nvSpPr>
-          <p:cNvPr id="6" name="TextBox 5"/>
-          <p:cNvSpPr txBox="1"/>
-          <p:nvPr/>
-        </p:nvSpPr>
-        <p:spPr>
-          <a:xfrm>
-            <a:off x="5529064" y="1375214"/>
-            <a:ext cx="3240360" cy="369332"/>
-          </a:xfrm>
-          <a:prstGeom prst="rect">
-            <a:avLst/>
-          </a:prstGeom>
-          <a:noFill/>
-        </p:spPr>
-        <p:txBody>
-          <a:bodyPr wrap="square" rtlCol="0">
-            <a:spAutoFit/>
-          </a:bodyPr>
-          <a:lstStyle/>
-          <a:p>
-            <a:r>
-              <a:rPr lang="en-US" altLang="ko-KR" dirty="0" smtClean="0"/>
-              <a:t>templates/shop/detail.html</a:t>
-            </a:r>
             <a:endParaRPr lang="ko-KR" altLang="en-US" dirty="0"/>
           </a:p>
         </p:txBody>
@@ -6352,139 +6488,8 @@
         </p:blipFill>
         <p:spPr>
           <a:xfrm>
-            <a:off x="1136576" y="1744546"/>
-            <a:ext cx="7478001" cy="4934070"/>
-          </a:xfrm>
-          <a:prstGeom prst="rect">
-            <a:avLst/>
-          </a:prstGeom>
-          <a:ln>
-            <a:solidFill>
-              <a:schemeClr val="bg1">
-                <a:lumMod val="85000"/>
-              </a:schemeClr>
-            </a:solidFill>
-          </a:ln>
-        </p:spPr>
-      </p:pic>
-    </p:spTree>
-    <p:extLst>
-      <p:ext uri="{BB962C8B-B14F-4D97-AF65-F5344CB8AC3E}">
-        <p14:creationId xmlns:p14="http://schemas.microsoft.com/office/powerpoint/2010/main" val="3367021623"/>
-      </p:ext>
-    </p:extLst>
-  </p:cSld>
-  <p:clrMapOvr>
-    <a:masterClrMapping/>
-  </p:clrMapOvr>
-  <p:timing>
-    <p:tnLst>
-      <p:par>
-        <p:cTn id="1" dur="indefinite" restart="never" nodeType="tmRoot"/>
-      </p:par>
-    </p:tnLst>
-  </p:timing>
-</p:sld>
-</file>
-
-<file path=ppt/slides/slide2.xml><?xml version="1.0" encoding="utf-8"?>
-<p:sld xmlns:a="http://schemas.openxmlformats.org/drawingml/2006/main" xmlns:r="http://schemas.openxmlformats.org/officeDocument/2006/relationships" xmlns:p="http://schemas.openxmlformats.org/presentationml/2006/main">
-  <p:cSld>
-    <p:spTree>
-      <p:nvGrpSpPr>
-        <p:cNvPr id="1" name=""/>
-        <p:cNvGrpSpPr/>
-        <p:nvPr/>
-      </p:nvGrpSpPr>
-      <p:grpSpPr>
-        <a:xfrm>
-          <a:off x="0" y="0"/>
-          <a:ext cx="0" cy="0"/>
-          <a:chOff x="0" y="0"/>
-          <a:chExt cx="0" cy="0"/>
-        </a:xfrm>
-      </p:grpSpPr>
-      <p:sp>
-        <p:nvSpPr>
-          <p:cNvPr id="2" name="제목 1"/>
-          <p:cNvSpPr>
-            <a:spLocks noGrp="1"/>
-          </p:cNvSpPr>
-          <p:nvPr>
-            <p:ph type="title"/>
-          </p:nvPr>
-        </p:nvSpPr>
-        <p:spPr>
-          <a:xfrm>
-            <a:off x="628137" y="232452"/>
-            <a:ext cx="6201139" cy="854968"/>
-          </a:xfrm>
-        </p:spPr>
-        <p:txBody>
-          <a:bodyPr>
-            <a:normAutofit/>
-          </a:bodyPr>
-          <a:lstStyle/>
-          <a:p>
-            <a:r>
-              <a:rPr lang="en-US" altLang="ko-KR" dirty="0"/>
-              <a:t> </a:t>
-            </a:r>
-            <a:r>
-              <a:rPr lang="ko-KR" altLang="en-US" dirty="0" smtClean="0"/>
-              <a:t>쇼핑몰 </a:t>
-            </a:r>
-            <a:endParaRPr lang="ko-KR" altLang="en-US" dirty="0"/>
-          </a:p>
-        </p:txBody>
-      </p:sp>
-      <p:sp>
-        <p:nvSpPr>
-          <p:cNvPr id="4" name="슬라이드 번호 개체 틀 3"/>
-          <p:cNvSpPr>
-            <a:spLocks noGrp="1"/>
-          </p:cNvSpPr>
-          <p:nvPr>
-            <p:ph type="sldNum" sz="quarter" idx="12"/>
-          </p:nvPr>
-        </p:nvSpPr>
-        <p:spPr/>
-        <p:txBody>
-          <a:bodyPr/>
-          <a:lstStyle/>
-          <a:p>
-            <a:fld id="{1BDE3FE7-3AEA-4B05-AC5A-802D1816ACF0}" type="slidenum">
-              <a:rPr lang="ko-KR" altLang="en-US" smtClean="0"/>
-              <a:t>2</a:t>
-            </a:fld>
-            <a:endParaRPr lang="ko-KR" altLang="en-US" dirty="0"/>
-          </a:p>
-        </p:txBody>
-      </p:sp>
-      <p:pic>
-        <p:nvPicPr>
-          <p:cNvPr id="3" name="그림 2"/>
-          <p:cNvPicPr>
-            <a:picLocks noChangeAspect="1"/>
-          </p:cNvPicPr>
-          <p:nvPr/>
-        </p:nvPicPr>
-        <p:blipFill>
-          <a:blip r:embed="rId2">
-            <a:extLst>
-              <a:ext uri="{28A0092B-C50C-407E-A947-70E740481C1C}">
-                <a14:useLocalDpi xmlns:a14="http://schemas.microsoft.com/office/drawing/2010/main" val="0"/>
-              </a:ext>
-            </a:extLst>
-          </a:blip>
-          <a:stretch>
-            <a:fillRect/>
-          </a:stretch>
-        </p:blipFill>
-        <p:spPr>
-          <a:xfrm>
-            <a:off x="971912" y="1484784"/>
-            <a:ext cx="7877532" cy="4531037"/>
+            <a:off x="785292" y="1484784"/>
+            <a:ext cx="8625408" cy="4230850"/>
           </a:xfrm>
           <a:prstGeom prst="rect">
             <a:avLst/>
@@ -6589,6 +6594,228 @@
             <a:fld id="{1BDE3FE7-3AEA-4B05-AC5A-802D1816ACF0}" type="slidenum">
               <a:rPr lang="ko-KR" altLang="en-US" smtClean="0"/>
               <a:t>20</a:t>
+            </a:fld>
+            <a:endParaRPr lang="ko-KR" altLang="en-US"/>
+          </a:p>
+        </p:txBody>
+      </p:sp>
+      <p:sp>
+        <p:nvSpPr>
+          <p:cNvPr id="14" name="TextBox 13"/>
+          <p:cNvSpPr txBox="1"/>
+          <p:nvPr/>
+        </p:nvSpPr>
+        <p:spPr>
+          <a:xfrm>
+            <a:off x="1064568" y="1235368"/>
+            <a:ext cx="6264696" cy="553998"/>
+          </a:xfrm>
+          <a:prstGeom prst="rect">
+            <a:avLst/>
+          </a:prstGeom>
+          <a:ln>
+            <a:noFill/>
+          </a:ln>
+        </p:spPr>
+        <p:style>
+          <a:lnRef idx="2">
+            <a:schemeClr val="dk1"/>
+          </a:lnRef>
+          <a:fillRef idx="1">
+            <a:schemeClr val="lt1"/>
+          </a:fillRef>
+          <a:effectRef idx="0">
+            <a:schemeClr val="dk1"/>
+          </a:effectRef>
+          <a:fontRef idx="minor">
+            <a:schemeClr val="dk1"/>
+          </a:fontRef>
+        </p:style>
+        <p:txBody>
+          <a:bodyPr wrap="square" rtlCol="0">
+            <a:spAutoFit/>
+          </a:bodyPr>
+          <a:lstStyle/>
+          <a:p>
+            <a:pPr marL="342900" indent="-342900">
+              <a:lnSpc>
+                <a:spcPct val="150000"/>
+              </a:lnSpc>
+              <a:buFont typeface="Wingdings" panose="05000000000000000000" pitchFamily="2" charset="2"/>
+              <a:buChar char="§"/>
+            </a:pPr>
+            <a:r>
+              <a:rPr lang="ko-KR" altLang="en-US" sz="2000" dirty="0" smtClean="0">
+                <a:latin typeface="휴먼엑스포" panose="02030504000101010101" pitchFamily="18" charset="-127"/>
+                <a:ea typeface="휴먼엑스포" panose="02030504000101010101" pitchFamily="18" charset="-127"/>
+              </a:rPr>
+              <a:t>템플릿 만들기</a:t>
+            </a:r>
+            <a:endParaRPr lang="en-US" altLang="ko-KR" sz="2000" dirty="0" smtClean="0">
+              <a:latin typeface="휴먼엑스포" panose="02030504000101010101" pitchFamily="18" charset="-127"/>
+              <a:ea typeface="휴먼엑스포" panose="02030504000101010101" pitchFamily="18" charset="-127"/>
+            </a:endParaRPr>
+          </a:p>
+        </p:txBody>
+      </p:sp>
+      <p:sp>
+        <p:nvSpPr>
+          <p:cNvPr id="6" name="TextBox 5"/>
+          <p:cNvSpPr txBox="1"/>
+          <p:nvPr/>
+        </p:nvSpPr>
+        <p:spPr>
+          <a:xfrm>
+            <a:off x="5529064" y="1375214"/>
+            <a:ext cx="3240360" cy="369332"/>
+          </a:xfrm>
+          <a:prstGeom prst="rect">
+            <a:avLst/>
+          </a:prstGeom>
+          <a:noFill/>
+        </p:spPr>
+        <p:txBody>
+          <a:bodyPr wrap="square" rtlCol="0">
+            <a:spAutoFit/>
+          </a:bodyPr>
+          <a:lstStyle/>
+          <a:p>
+            <a:r>
+              <a:rPr lang="en-US" altLang="ko-KR" dirty="0" smtClean="0"/>
+              <a:t>templates/shop/detail.html</a:t>
+            </a:r>
+            <a:endParaRPr lang="ko-KR" altLang="en-US" dirty="0"/>
+          </a:p>
+        </p:txBody>
+      </p:sp>
+      <p:pic>
+        <p:nvPicPr>
+          <p:cNvPr id="3" name="그림 2"/>
+          <p:cNvPicPr>
+            <a:picLocks noChangeAspect="1"/>
+          </p:cNvPicPr>
+          <p:nvPr/>
+        </p:nvPicPr>
+        <p:blipFill>
+          <a:blip r:embed="rId2">
+            <a:extLst>
+              <a:ext uri="{28A0092B-C50C-407E-A947-70E740481C1C}">
+                <a14:useLocalDpi xmlns:a14="http://schemas.microsoft.com/office/drawing/2010/main" val="0"/>
+              </a:ext>
+            </a:extLst>
+          </a:blip>
+          <a:stretch>
+            <a:fillRect/>
+          </a:stretch>
+        </p:blipFill>
+        <p:spPr>
+          <a:xfrm>
+            <a:off x="1397545" y="1884392"/>
+            <a:ext cx="7371879" cy="4663971"/>
+          </a:xfrm>
+          <a:prstGeom prst="rect">
+            <a:avLst/>
+          </a:prstGeom>
+          <a:ln>
+            <a:solidFill>
+              <a:schemeClr val="bg1">
+                <a:lumMod val="85000"/>
+              </a:schemeClr>
+            </a:solidFill>
+          </a:ln>
+        </p:spPr>
+      </p:pic>
+    </p:spTree>
+    <p:extLst>
+      <p:ext uri="{BB962C8B-B14F-4D97-AF65-F5344CB8AC3E}">
+        <p14:creationId xmlns:p14="http://schemas.microsoft.com/office/powerpoint/2010/main" val="3367021623"/>
+      </p:ext>
+    </p:extLst>
+  </p:cSld>
+  <p:clrMapOvr>
+    <a:masterClrMapping/>
+  </p:clrMapOvr>
+  <p:timing>
+    <p:tnLst>
+      <p:par>
+        <p:cTn id="1" dur="indefinite" restart="never" nodeType="tmRoot"/>
+      </p:par>
+    </p:tnLst>
+  </p:timing>
+</p:sld>
+</file>
+
+<file path=ppt/slides/slide21.xml><?xml version="1.0" encoding="utf-8"?>
+<p:sld xmlns:a="http://schemas.openxmlformats.org/drawingml/2006/main" xmlns:r="http://schemas.openxmlformats.org/officeDocument/2006/relationships" xmlns:p="http://schemas.openxmlformats.org/presentationml/2006/main">
+  <p:cSld>
+    <p:spTree>
+      <p:nvGrpSpPr>
+        <p:cNvPr id="1" name=""/>
+        <p:cNvGrpSpPr/>
+        <p:nvPr/>
+      </p:nvGrpSpPr>
+      <p:grpSpPr>
+        <a:xfrm>
+          <a:off x="0" y="0"/>
+          <a:ext cx="0" cy="0"/>
+          <a:chOff x="0" y="0"/>
+          <a:chExt cx="0" cy="0"/>
+        </a:xfrm>
+      </p:grpSpPr>
+      <p:sp>
+        <p:nvSpPr>
+          <p:cNvPr id="2" name="제목 1"/>
+          <p:cNvSpPr>
+            <a:spLocks noGrp="1"/>
+          </p:cNvSpPr>
+          <p:nvPr>
+            <p:ph type="title"/>
+          </p:nvPr>
+        </p:nvSpPr>
+        <p:spPr/>
+        <p:txBody>
+          <a:bodyPr/>
+          <a:lstStyle/>
+          <a:p>
+            <a:pPr marL="342900" indent="-342900">
+              <a:lnSpc>
+                <a:spcPct val="150000"/>
+              </a:lnSpc>
+            </a:pPr>
+            <a:r>
+              <a:rPr lang="en-US" altLang="ko-KR" dirty="0"/>
+              <a:t> </a:t>
+            </a:r>
+            <a:r>
+              <a:rPr lang="en-US" altLang="ko-KR" dirty="0" smtClean="0"/>
+              <a:t>shop </a:t>
+            </a:r>
+            <a:r>
+              <a:rPr lang="ko-KR" altLang="en-US" dirty="0" smtClean="0"/>
+              <a:t>앱 만들기</a:t>
+            </a:r>
+            <a:endParaRPr lang="en-US" altLang="ko-KR" dirty="0"/>
+          </a:p>
+        </p:txBody>
+      </p:sp>
+      <p:sp>
+        <p:nvSpPr>
+          <p:cNvPr id="4" name="슬라이드 번호 개체 틀 3"/>
+          <p:cNvSpPr>
+            <a:spLocks noGrp="1"/>
+          </p:cNvSpPr>
+          <p:nvPr>
+            <p:ph type="sldNum" sz="quarter" idx="12"/>
+          </p:nvPr>
+        </p:nvSpPr>
+        <p:spPr/>
+        <p:txBody>
+          <a:bodyPr/>
+          <a:lstStyle/>
+          <a:p>
+            <a:fld id="{1BDE3FE7-3AEA-4B05-AC5A-802D1816ACF0}" type="slidenum">
+              <a:rPr lang="ko-KR" altLang="en-US" smtClean="0"/>
+              <a:t>21</a:t>
             </a:fld>
             <a:endParaRPr lang="ko-KR" altLang="en-US"/>
           </a:p>
@@ -6744,7 +6971,7 @@
 </p:sld>
 </file>
 
-<file path=ppt/slides/slide21.xml><?xml version="1.0" encoding="utf-8"?>
+<file path=ppt/slides/slide22.xml><?xml version="1.0" encoding="utf-8"?>
 <p:sld xmlns:a="http://schemas.openxmlformats.org/drawingml/2006/main" xmlns:r="http://schemas.openxmlformats.org/officeDocument/2006/relationships" xmlns:p="http://schemas.openxmlformats.org/presentationml/2006/main">
   <p:cSld>
     <p:spTree>
@@ -6814,7 +7041,7 @@
           <a:p>
             <a:fld id="{1BDE3FE7-3AEA-4B05-AC5A-802D1816ACF0}" type="slidenum">
               <a:rPr lang="ko-KR" altLang="en-US" smtClean="0"/>
-              <a:t>21</a:t>
+              <a:t>22</a:t>
             </a:fld>
             <a:endParaRPr lang="ko-KR" altLang="en-US"/>
           </a:p>
@@ -6936,7 +7163,7 @@
 </p:sld>
 </file>
 
-<file path=ppt/slides/slide22.xml><?xml version="1.0" encoding="utf-8"?>
+<file path=ppt/slides/slide23.xml><?xml version="1.0" encoding="utf-8"?>
 <p:sld xmlns:a="http://schemas.openxmlformats.org/drawingml/2006/main" xmlns:r="http://schemas.openxmlformats.org/officeDocument/2006/relationships" xmlns:p="http://schemas.openxmlformats.org/presentationml/2006/main">
   <p:cSld>
     <p:spTree>
@@ -7006,7 +7233,7 @@
           <a:p>
             <a:fld id="{1BDE3FE7-3AEA-4B05-AC5A-802D1816ACF0}" type="slidenum">
               <a:rPr lang="ko-KR" altLang="en-US" smtClean="0"/>
-              <a:t>22</a:t>
+              <a:t>23</a:t>
             </a:fld>
             <a:endParaRPr lang="ko-KR" altLang="en-US"/>
           </a:p>
@@ -7162,7 +7389,7 @@
 </p:sld>
 </file>
 
-<file path=ppt/slides/slide23.xml><?xml version="1.0" encoding="utf-8"?>
+<file path=ppt/slides/slide24.xml><?xml version="1.0" encoding="utf-8"?>
 <p:sld xmlns:a="http://schemas.openxmlformats.org/drawingml/2006/main" xmlns:r="http://schemas.openxmlformats.org/officeDocument/2006/relationships" xmlns:p="http://schemas.openxmlformats.org/presentationml/2006/main">
   <p:cSld>
     <p:spTree>
@@ -7232,7 +7459,7 @@
           <a:p>
             <a:fld id="{1BDE3FE7-3AEA-4B05-AC5A-802D1816ACF0}" type="slidenum">
               <a:rPr lang="ko-KR" altLang="en-US" smtClean="0"/>
-              <a:t>23</a:t>
+              <a:t>24</a:t>
             </a:fld>
             <a:endParaRPr lang="ko-KR" altLang="en-US"/>
           </a:p>
